--- a/MeshNodeUserManual.pptx
+++ b/MeshNodeUserManual.pptx
@@ -197,7 +197,7 @@
           <a:p>
             <a:fld id="{7AA95866-E4AE-41A6-AD01-5FA3C99D5929}" type="datetimeFigureOut">
               <a:rPr lang="en-US" smtClean="0"/>
-              <a:t>7/19/2013</a:t>
+              <a:t>7/25/2013</a:t>
             </a:fld>
             <a:endParaRPr lang="en-US"/>
           </a:p>
@@ -898,7 +898,7 @@
           <a:p>
             <a:fld id="{229FEE21-A461-4C58-9C1F-BDFF891F32AC}" type="datetimeFigureOut">
               <a:rPr lang="en-US" smtClean="0"/>
-              <a:t>7/19/2013</a:t>
+              <a:t>7/25/2013</a:t>
             </a:fld>
             <a:endParaRPr lang="en-US"/>
           </a:p>
@@ -1068,7 +1068,7 @@
           <a:p>
             <a:fld id="{229FEE21-A461-4C58-9C1F-BDFF891F32AC}" type="datetimeFigureOut">
               <a:rPr lang="en-US" smtClean="0"/>
-              <a:t>7/19/2013</a:t>
+              <a:t>7/25/2013</a:t>
             </a:fld>
             <a:endParaRPr lang="en-US"/>
           </a:p>
@@ -1248,7 +1248,7 @@
           <a:p>
             <a:fld id="{229FEE21-A461-4C58-9C1F-BDFF891F32AC}" type="datetimeFigureOut">
               <a:rPr lang="en-US" smtClean="0"/>
-              <a:t>7/19/2013</a:t>
+              <a:t>7/25/2013</a:t>
             </a:fld>
             <a:endParaRPr lang="en-US"/>
           </a:p>
@@ -1418,7 +1418,7 @@
           <a:p>
             <a:fld id="{229FEE21-A461-4C58-9C1F-BDFF891F32AC}" type="datetimeFigureOut">
               <a:rPr lang="en-US" smtClean="0"/>
-              <a:t>7/19/2013</a:t>
+              <a:t>7/25/2013</a:t>
             </a:fld>
             <a:endParaRPr lang="en-US"/>
           </a:p>
@@ -1664,7 +1664,7 @@
           <a:p>
             <a:fld id="{229FEE21-A461-4C58-9C1F-BDFF891F32AC}" type="datetimeFigureOut">
               <a:rPr lang="en-US" smtClean="0"/>
-              <a:t>7/19/2013</a:t>
+              <a:t>7/25/2013</a:t>
             </a:fld>
             <a:endParaRPr lang="en-US"/>
           </a:p>
@@ -1952,7 +1952,7 @@
           <a:p>
             <a:fld id="{229FEE21-A461-4C58-9C1F-BDFF891F32AC}" type="datetimeFigureOut">
               <a:rPr lang="en-US" smtClean="0"/>
-              <a:t>7/19/2013</a:t>
+              <a:t>7/25/2013</a:t>
             </a:fld>
             <a:endParaRPr lang="en-US"/>
           </a:p>
@@ -2374,7 +2374,7 @@
           <a:p>
             <a:fld id="{229FEE21-A461-4C58-9C1F-BDFF891F32AC}" type="datetimeFigureOut">
               <a:rPr lang="en-US" smtClean="0"/>
-              <a:t>7/19/2013</a:t>
+              <a:t>7/25/2013</a:t>
             </a:fld>
             <a:endParaRPr lang="en-US"/>
           </a:p>
@@ -2492,7 +2492,7 @@
           <a:p>
             <a:fld id="{229FEE21-A461-4C58-9C1F-BDFF891F32AC}" type="datetimeFigureOut">
               <a:rPr lang="en-US" smtClean="0"/>
-              <a:t>7/19/2013</a:t>
+              <a:t>7/25/2013</a:t>
             </a:fld>
             <a:endParaRPr lang="en-US"/>
           </a:p>
@@ -2587,7 +2587,7 @@
           <a:p>
             <a:fld id="{229FEE21-A461-4C58-9C1F-BDFF891F32AC}" type="datetimeFigureOut">
               <a:rPr lang="en-US" smtClean="0"/>
-              <a:t>7/19/2013</a:t>
+              <a:t>7/25/2013</a:t>
             </a:fld>
             <a:endParaRPr lang="en-US"/>
           </a:p>
@@ -2864,7 +2864,7 @@
           <a:p>
             <a:fld id="{229FEE21-A461-4C58-9C1F-BDFF891F32AC}" type="datetimeFigureOut">
               <a:rPr lang="en-US" smtClean="0"/>
-              <a:t>7/19/2013</a:t>
+              <a:t>7/25/2013</a:t>
             </a:fld>
             <a:endParaRPr lang="en-US"/>
           </a:p>
@@ -3117,7 +3117,7 @@
           <a:p>
             <a:fld id="{229FEE21-A461-4C58-9C1F-BDFF891F32AC}" type="datetimeFigureOut">
               <a:rPr lang="en-US" smtClean="0"/>
-              <a:t>7/19/2013</a:t>
+              <a:t>7/25/2013</a:t>
             </a:fld>
             <a:endParaRPr lang="en-US"/>
           </a:p>
@@ -3330,7 +3330,7 @@
           <a:p>
             <a:fld id="{229FEE21-A461-4C58-9C1F-BDFF891F32AC}" type="datetimeFigureOut">
               <a:rPr lang="en-US" smtClean="0"/>
-              <a:t>7/19/2013</a:t>
+              <a:t>7/25/2013</a:t>
             </a:fld>
             <a:endParaRPr lang="en-US"/>
           </a:p>
@@ -4761,7 +4761,7 @@
           <p:nvPr>
             <p:extLst>
               <p:ext uri="{D42A27DB-BD31-4B8C-83A1-F6EECF244321}">
-                <p14:modId xmlns:p14="http://schemas.microsoft.com/office/powerpoint/2010/main" val="3928887687"/>
+                <p14:modId xmlns:p14="http://schemas.microsoft.com/office/powerpoint/2010/main" val="2784822811"/>
               </p:ext>
             </p:extLst>
           </p:nvPr>
@@ -4865,6 +4865,143 @@
                     <a:lstStyle/>
                     <a:p>
                       <a:r>
+                        <a:rPr lang="en-US" dirty="0" err="1" smtClean="0"/>
+                        <a:t>Vcc</a:t>
+                      </a:r>
+                      <a:endParaRPr lang="en-US" dirty="0"/>
+                    </a:p>
+                  </a:txBody>
+                  <a:tcPr/>
+                </a:tc>
+                <a:tc>
+                  <a:txBody>
+                    <a:bodyPr/>
+                    <a:lstStyle/>
+                    <a:p>
+                      <a:endParaRPr lang="en-US" dirty="0"/>
+                    </a:p>
+                  </a:txBody>
+                  <a:tcPr/>
+                </a:tc>
+                <a:tc>
+                  <a:txBody>
+                    <a:bodyPr/>
+                    <a:lstStyle/>
+                    <a:p>
+                      <a:pPr marL="0" marR="0" indent="0" algn="l" defTabSz="914400" rtl="0" eaLnBrk="1" fontAlgn="auto" latinLnBrk="0" hangingPunct="1">
+                        <a:lnSpc>
+                          <a:spcPct val="100000"/>
+                        </a:lnSpc>
+                        <a:spcBef>
+                          <a:spcPts val="0"/>
+                        </a:spcBef>
+                        <a:spcAft>
+                          <a:spcPts val="0"/>
+                        </a:spcAft>
+                        <a:buClrTx/>
+                        <a:buSzTx/>
+                        <a:buFontTx/>
+                        <a:buNone/>
+                        <a:tabLst/>
+                        <a:defRPr/>
+                      </a:pPr>
+                      <a:r>
+                        <a:rPr lang="en-US" dirty="0" smtClean="0"/>
+                        <a:t>3.3V</a:t>
+                      </a:r>
+                      <a:r>
+                        <a:rPr lang="en-US" baseline="0" dirty="0" smtClean="0"/>
+                        <a:t>  (max 300mA)</a:t>
+                      </a:r>
+                      <a:endParaRPr lang="en-US" dirty="0" smtClean="0"/>
+                    </a:p>
+                  </a:txBody>
+                  <a:tcPr/>
+                </a:tc>
+              </a:tr>
+              <a:tr h="370840">
+                <a:tc>
+                  <a:txBody>
+                    <a:bodyPr/>
+                    <a:lstStyle/>
+                    <a:p>
+                      <a:r>
+                        <a:rPr lang="en-US" dirty="0" smtClean="0"/>
+                        <a:t>2</a:t>
+                      </a:r>
+                      <a:endParaRPr lang="en-US" dirty="0"/>
+                    </a:p>
+                  </a:txBody>
+                  <a:tcPr/>
+                </a:tc>
+                <a:tc>
+                  <a:txBody>
+                    <a:bodyPr/>
+                    <a:lstStyle/>
+                    <a:p>
+                      <a:r>
+                        <a:rPr lang="en-US" dirty="0" smtClean="0"/>
+                        <a:t>ID ADC</a:t>
+                      </a:r>
+                      <a:endParaRPr lang="en-US" dirty="0"/>
+                    </a:p>
+                  </a:txBody>
+                  <a:tcPr/>
+                </a:tc>
+                <a:tc>
+                  <a:txBody>
+                    <a:bodyPr/>
+                    <a:lstStyle/>
+                    <a:p>
+                      <a:r>
+                        <a:rPr lang="en-US" dirty="0" smtClean="0"/>
+                        <a:t>A1</a:t>
+                      </a:r>
+                      <a:endParaRPr lang="en-US" dirty="0"/>
+                    </a:p>
+                  </a:txBody>
+                  <a:tcPr/>
+                </a:tc>
+                <a:tc>
+                  <a:txBody>
+                    <a:bodyPr/>
+                    <a:lstStyle/>
+                    <a:p>
+                      <a:r>
+                        <a:rPr lang="en-US" dirty="0" smtClean="0"/>
+                        <a:t>Used to</a:t>
+                      </a:r>
+                      <a:r>
+                        <a:rPr lang="en-US" baseline="0" dirty="0" smtClean="0"/>
+                        <a:t> ID what is plugged in</a:t>
+                      </a:r>
+                      <a:endParaRPr lang="en-US" dirty="0"/>
+                    </a:p>
+                  </a:txBody>
+                  <a:tcPr/>
+                </a:tc>
+              </a:tr>
+              <a:tr h="370840">
+                <a:tc>
+                  <a:txBody>
+                    <a:bodyPr/>
+                    <a:lstStyle/>
+                    <a:p>
+                      <a:r>
+                        <a:rPr lang="en-US" dirty="0" smtClean="0"/>
+                        <a:t>3</a:t>
+                      </a:r>
+                      <a:endParaRPr lang="en-US" dirty="0"/>
+                    </a:p>
+                  </a:txBody>
+                  <a:tcPr/>
+                </a:tc>
+                <a:tc>
+                  <a:txBody>
+                    <a:bodyPr/>
+                    <a:lstStyle/>
+                    <a:p>
+                      <a:r>
                         <a:rPr lang="en-US" dirty="0" smtClean="0"/>
                         <a:t>Ground</a:t>
                       </a:r>
@@ -4888,126 +5025,6 @@
                     <a:bodyPr/>
                     <a:lstStyle/>
                     <a:p>
-                      <a:endParaRPr lang="en-US"/>
-                    </a:p>
-                  </a:txBody>
-                  <a:tcPr/>
-                </a:tc>
-              </a:tr>
-              <a:tr h="370840">
-                <a:tc>
-                  <a:txBody>
-                    <a:bodyPr/>
-                    <a:lstStyle/>
-                    <a:p>
-                      <a:r>
-                        <a:rPr lang="en-US" dirty="0" smtClean="0"/>
-                        <a:t>2</a:t>
-                      </a:r>
-                      <a:endParaRPr lang="en-US" dirty="0"/>
-                    </a:p>
-                  </a:txBody>
-                  <a:tcPr/>
-                </a:tc>
-                <a:tc>
-                  <a:txBody>
-                    <a:bodyPr/>
-                    <a:lstStyle/>
-                    <a:p>
-                      <a:r>
-                        <a:rPr lang="en-US" dirty="0" smtClean="0"/>
-                        <a:t>ID ADC</a:t>
-                      </a:r>
-                      <a:endParaRPr lang="en-US" dirty="0"/>
-                    </a:p>
-                  </a:txBody>
-                  <a:tcPr/>
-                </a:tc>
-                <a:tc>
-                  <a:txBody>
-                    <a:bodyPr/>
-                    <a:lstStyle/>
-                    <a:p>
-                      <a:r>
-                        <a:rPr lang="en-US" dirty="0" smtClean="0"/>
-                        <a:t>A1</a:t>
-                      </a:r>
-                      <a:endParaRPr lang="en-US" dirty="0"/>
-                    </a:p>
-                  </a:txBody>
-                  <a:tcPr/>
-                </a:tc>
-                <a:tc>
-                  <a:txBody>
-                    <a:bodyPr/>
-                    <a:lstStyle/>
-                    <a:p>
-                      <a:r>
-                        <a:rPr lang="en-US" dirty="0" smtClean="0"/>
-                        <a:t>Used to</a:t>
-                      </a:r>
-                      <a:r>
-                        <a:rPr lang="en-US" baseline="0" dirty="0" smtClean="0"/>
-                        <a:t> ID what is plugged in</a:t>
-                      </a:r>
-                      <a:endParaRPr lang="en-US" dirty="0"/>
-                    </a:p>
-                  </a:txBody>
-                  <a:tcPr/>
-                </a:tc>
-              </a:tr>
-              <a:tr h="370840">
-                <a:tc>
-                  <a:txBody>
-                    <a:bodyPr/>
-                    <a:lstStyle/>
-                    <a:p>
-                      <a:r>
-                        <a:rPr lang="en-US" dirty="0" smtClean="0"/>
-                        <a:t>3</a:t>
-                      </a:r>
-                      <a:endParaRPr lang="en-US" dirty="0"/>
-                    </a:p>
-                  </a:txBody>
-                  <a:tcPr/>
-                </a:tc>
-                <a:tc>
-                  <a:txBody>
-                    <a:bodyPr/>
-                    <a:lstStyle/>
-                    <a:p>
-                      <a:r>
-                        <a:rPr lang="en-US" dirty="0" err="1" smtClean="0"/>
-                        <a:t>Vcc</a:t>
-                      </a:r>
-                      <a:endParaRPr lang="en-US" dirty="0"/>
-                    </a:p>
-                  </a:txBody>
-                  <a:tcPr/>
-                </a:tc>
-                <a:tc>
-                  <a:txBody>
-                    <a:bodyPr/>
-                    <a:lstStyle/>
-                    <a:p>
-                      <a:endParaRPr lang="en-US" dirty="0"/>
-                    </a:p>
-                  </a:txBody>
-                  <a:tcPr/>
-                </a:tc>
-                <a:tc>
-                  <a:txBody>
-                    <a:bodyPr/>
-                    <a:lstStyle/>
-                    <a:p>
-                      <a:r>
-                        <a:rPr lang="en-US" dirty="0" smtClean="0"/>
-                        <a:t>3.3V</a:t>
-                      </a:r>
-                      <a:r>
-                        <a:rPr lang="en-US" baseline="0" dirty="0" smtClean="0"/>
-                        <a:t>  (max 300mA)</a:t>
-                      </a:r>
                       <a:endParaRPr lang="en-US" dirty="0"/>
                     </a:p>
                   </a:txBody>
@@ -6753,7 +6770,7 @@
           <p:nvPr>
             <p:extLst>
               <p:ext uri="{D42A27DB-BD31-4B8C-83A1-F6EECF244321}">
-                <p14:modId xmlns:p14="http://schemas.microsoft.com/office/powerpoint/2010/main" val="1189603933"/>
+                <p14:modId xmlns:p14="http://schemas.microsoft.com/office/powerpoint/2010/main" val="667895289"/>
               </p:ext>
             </p:extLst>
           </p:nvPr>
@@ -6875,11 +6892,44 @@
                     <a:bodyPr/>
                     <a:lstStyle/>
                     <a:p>
+                      <a:pPr marL="0" marR="0" indent="0" algn="l" defTabSz="914400" rtl="0" eaLnBrk="1" fontAlgn="auto" latinLnBrk="0" hangingPunct="1">
+                        <a:lnSpc>
+                          <a:spcPct val="100000"/>
+                        </a:lnSpc>
+                        <a:spcBef>
+                          <a:spcPts val="0"/>
+                        </a:spcBef>
+                        <a:spcAft>
+                          <a:spcPts val="0"/>
+                        </a:spcAft>
+                        <a:buClrTx/>
+                        <a:buSzTx/>
+                        <a:buFontTx/>
+                        <a:buNone/>
+                        <a:tabLst/>
+                        <a:defRPr/>
+                      </a:pPr>
+                      <a:r>
+                        <a:rPr lang="en-US" dirty="0" err="1" smtClean="0"/>
+                        <a:t>Vcc</a:t>
+                      </a:r>
                       <a:r>
                         <a:rPr lang="en-US" dirty="0" smtClean="0"/>
-                        <a:t>Ground</a:t>
-                      </a:r>
-                      <a:endParaRPr lang="en-US" dirty="0"/>
+                        <a:t>,</a:t>
+                      </a:r>
+                      <a:r>
+                        <a:rPr lang="en-US" baseline="0" dirty="0" smtClean="0"/>
+                        <a:t> </a:t>
+                      </a:r>
+                      <a:r>
+                        <a:rPr lang="en-US" dirty="0" smtClean="0"/>
+                        <a:t>3.3V</a:t>
+                      </a:r>
+                      <a:r>
+                        <a:rPr lang="en-US" baseline="0" dirty="0" smtClean="0"/>
+                        <a:t>  (max 150mA, each)</a:t>
+                      </a:r>
+                      <a:endParaRPr lang="en-US" dirty="0" smtClean="0"/>
                     </a:p>
                   </a:txBody>
                   <a:tcPr/>
@@ -6988,24 +7038,8 @@
                     <a:lstStyle/>
                     <a:p>
                       <a:r>
-                        <a:rPr lang="en-US" dirty="0" err="1" smtClean="0"/>
-                        <a:t>Vcc</a:t>
-                      </a:r>
-                      <a:r>
                         <a:rPr lang="en-US" dirty="0" smtClean="0"/>
-                        <a:t>,</a:t>
-                      </a:r>
-                      <a:r>
-                        <a:rPr lang="en-US" baseline="0" dirty="0" smtClean="0"/>
-                        <a:t> </a:t>
-                      </a:r>
-                      <a:r>
-                        <a:rPr lang="en-US" dirty="0" smtClean="0"/>
-                        <a:t>3.3V</a:t>
-                      </a:r>
-                      <a:r>
-                        <a:rPr lang="en-US" baseline="0" dirty="0" smtClean="0"/>
-                        <a:t>  (max 150mA, each)</a:t>
+                        <a:t>Ground</a:t>
                       </a:r>
                       <a:endParaRPr lang="en-US" dirty="0"/>
                     </a:p>
@@ -9921,7 +9955,7 @@
           <p:nvPr>
             <p:extLst>
               <p:ext uri="{D42A27DB-BD31-4B8C-83A1-F6EECF244321}">
-                <p14:modId xmlns:p14="http://schemas.microsoft.com/office/powerpoint/2010/main" val="1026035155"/>
+                <p14:modId xmlns:p14="http://schemas.microsoft.com/office/powerpoint/2010/main" val="3448551886"/>
               </p:ext>
             </p:extLst>
           </p:nvPr>
@@ -9949,7 +9983,7 @@
                     <a:lstStyle/>
                     <a:p>
                       <a:r>
-                        <a:rPr lang="en-US" sz="1400" smtClean="0"/>
+                        <a:rPr lang="en-US" sz="1400" dirty="0" smtClean="0"/>
                         <a:t>Pin</a:t>
                       </a:r>
                       <a:endParaRPr lang="en-US" sz="1400" dirty="0"/>
@@ -10029,8 +10063,8 @@
                     <a:lstStyle/>
                     <a:p>
                       <a:r>
-                        <a:rPr lang="en-US" sz="1400" dirty="0" smtClean="0"/>
-                        <a:t>Ground</a:t>
+                        <a:rPr lang="en-US" sz="1400" dirty="0" err="1" smtClean="0"/>
+                        <a:t>Vcc</a:t>
                       </a:r>
                       <a:endParaRPr lang="en-US" sz="1400" dirty="0"/>
                     </a:p>
@@ -10043,40 +10077,6 @@
                     <a:lstStyle/>
                     <a:p>
                       <a:endParaRPr lang="en-US" sz="1400" dirty="0"/>
-                    </a:p>
-                  </a:txBody>
-                  <a:tcPr/>
-                </a:tc>
-                <a:tc>
-                  <a:txBody>
-                    <a:bodyPr/>
-                    <a:lstStyle/>
-                    <a:p>
-                      <a:endParaRPr lang="en-US" sz="1400" dirty="0"/>
-                    </a:p>
-                  </a:txBody>
-                  <a:tcPr/>
-                </a:tc>
-              </a:tr>
-              <a:tr h="370840">
-                <a:tc>
-                  <a:txBody>
-                    <a:bodyPr/>
-                    <a:lstStyle/>
-                    <a:p>
-                      <a:r>
-                        <a:rPr lang="en-US" sz="1400" dirty="0" smtClean="0">
-                          <a:solidFill>
-                            <a:srgbClr val="FF0000"/>
-                          </a:solidFill>
-                        </a:rPr>
-                        <a:t>2A</a:t>
-                      </a:r>
-                      <a:endParaRPr lang="en-US" sz="1400" dirty="0">
-                        <a:solidFill>
-                          <a:srgbClr val="FF0000"/>
-                        </a:solidFill>
-                      </a:endParaRPr>
                     </a:p>
                   </a:txBody>
                   <a:tcPr/>
@@ -10104,20 +10104,38 @@
                         <a:defRPr/>
                       </a:pPr>
                       <a:r>
-                        <a:rPr lang="en-US" sz="1400" dirty="0" err="1" smtClean="0"/>
-                        <a:t>Vcc</a:t>
+                        <a:rPr lang="en-US" sz="1400" dirty="0" smtClean="0"/>
+                        <a:t>3.3V</a:t>
+                      </a:r>
+                      <a:r>
+                        <a:rPr lang="en-US" sz="1400" baseline="0" dirty="0" smtClean="0"/>
+                        <a:t>  (max 300mA)</a:t>
                       </a:r>
                       <a:endParaRPr lang="en-US" sz="1400" dirty="0" smtClean="0"/>
                     </a:p>
                   </a:txBody>
                   <a:tcPr/>
                 </a:tc>
-                <a:tc>
-                  <a:txBody>
-                    <a:bodyPr/>
-                    <a:lstStyle/>
-                    <a:p>
-                      <a:endParaRPr lang="en-US" sz="1400" dirty="0"/>
+              </a:tr>
+              <a:tr h="370840">
+                <a:tc>
+                  <a:txBody>
+                    <a:bodyPr/>
+                    <a:lstStyle/>
+                    <a:p>
+                      <a:r>
+                        <a:rPr lang="en-US" sz="1400" dirty="0" smtClean="0">
+                          <a:solidFill>
+                            <a:srgbClr val="FF0000"/>
+                          </a:solidFill>
+                        </a:rPr>
+                        <a:t>2A</a:t>
+                      </a:r>
+                      <a:endParaRPr lang="en-US" sz="1400" dirty="0">
+                        <a:solidFill>
+                          <a:srgbClr val="FF0000"/>
+                        </a:solidFill>
+                      </a:endParaRPr>
                     </a:p>
                   </a:txBody>
                   <a:tcPr/>
@@ -10146,37 +10164,19 @@
                       </a:pPr>
                       <a:r>
                         <a:rPr lang="en-US" sz="1400" dirty="0" smtClean="0"/>
-                        <a:t>3.3V</a:t>
-                      </a:r>
-                      <a:r>
-                        <a:rPr lang="en-US" sz="1400" baseline="0" dirty="0" smtClean="0"/>
-                        <a:t>  (max 300mA)</a:t>
+                        <a:t>Ground</a:t>
                       </a:r>
                       <a:endParaRPr lang="en-US" sz="1400" dirty="0" smtClean="0"/>
                     </a:p>
                   </a:txBody>
                   <a:tcPr/>
                 </a:tc>
-              </a:tr>
-              <a:tr h="370840">
-                <a:tc>
-                  <a:txBody>
-                    <a:bodyPr/>
-                    <a:lstStyle/>
-                    <a:p>
-                      <a:r>
-                        <a:rPr lang="en-US" sz="1400" dirty="0" smtClean="0">
-                          <a:solidFill>
-                            <a:srgbClr val="FF0000"/>
-                          </a:solidFill>
-                        </a:rPr>
-                        <a:t>3A</a:t>
-                      </a:r>
-                      <a:endParaRPr lang="en-US" sz="1400" dirty="0">
-                        <a:solidFill>
-                          <a:srgbClr val="FF0000"/>
-                        </a:solidFill>
-                      </a:endParaRPr>
+                <a:tc>
+                  <a:txBody>
+                    <a:bodyPr/>
+                    <a:lstStyle/>
+                    <a:p>
+                      <a:endParaRPr lang="en-US" sz="1400" dirty="0"/>
                     </a:p>
                   </a:txBody>
                   <a:tcPr/>
@@ -10203,24 +10203,31 @@
                         <a:tabLst/>
                         <a:defRPr/>
                       </a:pPr>
-                      <a:r>
-                        <a:rPr lang="en-US" sz="1400" dirty="0" smtClean="0"/>
-                        <a:t>ID ADC</a:t>
-                      </a:r>
-                    </a:p>
-                  </a:txBody>
-                  <a:tcPr/>
-                </a:tc>
-                <a:tc>
-                  <a:txBody>
-                    <a:bodyPr/>
-                    <a:lstStyle/>
-                    <a:p>
-                      <a:r>
-                        <a:rPr lang="en-US" sz="1400" dirty="0" smtClean="0"/>
-                        <a:t>A4</a:t>
-                      </a:r>
-                      <a:endParaRPr lang="en-US" sz="1400" dirty="0"/>
+                      <a:endParaRPr lang="en-US" sz="1400" dirty="0" smtClean="0"/>
+                    </a:p>
+                  </a:txBody>
+                  <a:tcPr/>
+                </a:tc>
+              </a:tr>
+              <a:tr h="370840">
+                <a:tc>
+                  <a:txBody>
+                    <a:bodyPr/>
+                    <a:lstStyle/>
+                    <a:p>
+                      <a:r>
+                        <a:rPr lang="en-US" sz="1400" dirty="0" smtClean="0">
+                          <a:solidFill>
+                            <a:srgbClr val="FF0000"/>
+                          </a:solidFill>
+                        </a:rPr>
+                        <a:t>3A</a:t>
+                      </a:r>
+                      <a:endParaRPr lang="en-US" sz="1400" dirty="0">
+                        <a:solidFill>
+                          <a:srgbClr val="FF0000"/>
+                        </a:solidFill>
+                      </a:endParaRPr>
                     </a:p>
                   </a:txBody>
                   <a:tcPr/>
@@ -10249,37 +10256,8 @@
                       </a:pPr>
                       <a:r>
                         <a:rPr lang="en-US" sz="1400" dirty="0" smtClean="0"/>
-                        <a:t>Connected</a:t>
-                      </a:r>
-                      <a:r>
-                        <a:rPr lang="en-US" sz="1400" baseline="0" dirty="0" smtClean="0"/>
-                        <a:t> to Ground for ID</a:t>
-                      </a:r>
-                      <a:endParaRPr lang="en-US" sz="1400" dirty="0" smtClean="0"/>
-                    </a:p>
-                  </a:txBody>
-                  <a:tcPr/>
-                </a:tc>
-              </a:tr>
-              <a:tr h="370840">
-                <a:tc>
-                  <a:txBody>
-                    <a:bodyPr/>
-                    <a:lstStyle/>
-                    <a:p>
-                      <a:r>
-                        <a:rPr lang="en-US" sz="1400" dirty="0" smtClean="0">
-                          <a:solidFill>
-                            <a:srgbClr val="FF0000"/>
-                          </a:solidFill>
-                        </a:rPr>
-                        <a:t>4A</a:t>
-                      </a:r>
-                      <a:endParaRPr lang="en-US" sz="1400" dirty="0">
-                        <a:solidFill>
-                          <a:srgbClr val="FF0000"/>
-                        </a:solidFill>
-                      </a:endParaRPr>
+                        <a:t>ID ADC</a:t>
+                      </a:r>
                     </a:p>
                   </a:txBody>
                   <a:tcPr/>
@@ -10291,69 +10269,7 @@
                     <a:p>
                       <a:r>
                         <a:rPr lang="en-US" sz="1400" dirty="0" smtClean="0"/>
-                        <a:t>RAW</a:t>
-                      </a:r>
-                      <a:endParaRPr lang="en-US" sz="1400" dirty="0"/>
-                    </a:p>
-                  </a:txBody>
-                  <a:tcPr/>
-                </a:tc>
-                <a:tc>
-                  <a:txBody>
-                    <a:bodyPr/>
-                    <a:lstStyle/>
-                    <a:p>
-                      <a:endParaRPr lang="en-US" sz="1400" dirty="0"/>
-                    </a:p>
-                  </a:txBody>
-                  <a:tcPr/>
-                </a:tc>
-                <a:tc>
-                  <a:txBody>
-                    <a:bodyPr/>
-                    <a:lstStyle/>
-                    <a:p>
-                      <a:r>
-                        <a:rPr lang="en-US" sz="1400" dirty="0" smtClean="0"/>
-                        <a:t>Raw voltage pass through</a:t>
-                      </a:r>
-                      <a:endParaRPr lang="en-US" sz="1400" dirty="0"/>
-                    </a:p>
-                  </a:txBody>
-                  <a:tcPr/>
-                </a:tc>
-              </a:tr>
-              <a:tr h="370840">
-                <a:tc>
-                  <a:txBody>
-                    <a:bodyPr/>
-                    <a:lstStyle/>
-                    <a:p>
-                      <a:r>
-                        <a:rPr lang="en-US" sz="1400" dirty="0" smtClean="0">
-                          <a:solidFill>
-                            <a:srgbClr val="FF0000"/>
-                          </a:solidFill>
-                        </a:rPr>
-                        <a:t>5A</a:t>
-                      </a:r>
-                      <a:endParaRPr lang="en-US" sz="1400" dirty="0">
-                        <a:solidFill>
-                          <a:srgbClr val="FF0000"/>
-                        </a:solidFill>
-                      </a:endParaRPr>
-                    </a:p>
-                  </a:txBody>
-                  <a:tcPr/>
-                </a:tc>
-                <a:tc>
-                  <a:txBody>
-                    <a:bodyPr/>
-                    <a:lstStyle/>
-                    <a:p>
-                      <a:r>
-                        <a:rPr lang="en-US" sz="1400" dirty="0" smtClean="0"/>
-                        <a:t>Input</a:t>
+                        <a:t>A4</a:t>
                       </a:r>
                       <a:endParaRPr lang="en-US" sz="1400" dirty="0"/>
                     </a:p>
@@ -10384,8 +10300,113 @@
                       </a:pPr>
                       <a:r>
                         <a:rPr lang="en-US" sz="1400" dirty="0" smtClean="0"/>
-                        <a:t>0</a:t>
-                      </a:r>
+                        <a:t>Connected</a:t>
+                      </a:r>
+                      <a:r>
+                        <a:rPr lang="en-US" sz="1400" baseline="0" dirty="0" smtClean="0"/>
+                        <a:t> to Ground for ID</a:t>
+                      </a:r>
+                      <a:endParaRPr lang="en-US" sz="1400" dirty="0" smtClean="0"/>
+                    </a:p>
+                  </a:txBody>
+                  <a:tcPr/>
+                </a:tc>
+              </a:tr>
+              <a:tr h="370840">
+                <a:tc>
+                  <a:txBody>
+                    <a:bodyPr/>
+                    <a:lstStyle/>
+                    <a:p>
+                      <a:r>
+                        <a:rPr lang="en-US" sz="1400" dirty="0" smtClean="0">
+                          <a:solidFill>
+                            <a:srgbClr val="FF0000"/>
+                          </a:solidFill>
+                        </a:rPr>
+                        <a:t>4A</a:t>
+                      </a:r>
+                      <a:endParaRPr lang="en-US" sz="1400" dirty="0">
+                        <a:solidFill>
+                          <a:srgbClr val="FF0000"/>
+                        </a:solidFill>
+                      </a:endParaRPr>
+                    </a:p>
+                  </a:txBody>
+                  <a:tcPr/>
+                </a:tc>
+                <a:tc>
+                  <a:txBody>
+                    <a:bodyPr/>
+                    <a:lstStyle/>
+                    <a:p>
+                      <a:r>
+                        <a:rPr lang="en-US" sz="1400" dirty="0" smtClean="0"/>
+                        <a:t>RAW</a:t>
+                      </a:r>
+                      <a:endParaRPr lang="en-US" sz="1400" dirty="0"/>
+                    </a:p>
+                  </a:txBody>
+                  <a:tcPr/>
+                </a:tc>
+                <a:tc>
+                  <a:txBody>
+                    <a:bodyPr/>
+                    <a:lstStyle/>
+                    <a:p>
+                      <a:endParaRPr lang="en-US" sz="1400" dirty="0"/>
+                    </a:p>
+                  </a:txBody>
+                  <a:tcPr/>
+                </a:tc>
+                <a:tc>
+                  <a:txBody>
+                    <a:bodyPr/>
+                    <a:lstStyle/>
+                    <a:p>
+                      <a:r>
+                        <a:rPr lang="en-US" sz="1400" dirty="0" smtClean="0"/>
+                        <a:t>Raw voltage pass through</a:t>
+                      </a:r>
+                      <a:endParaRPr lang="en-US" sz="1400" dirty="0"/>
+                    </a:p>
+                  </a:txBody>
+                  <a:tcPr/>
+                </a:tc>
+              </a:tr>
+              <a:tr h="370840">
+                <a:tc>
+                  <a:txBody>
+                    <a:bodyPr/>
+                    <a:lstStyle/>
+                    <a:p>
+                      <a:r>
+                        <a:rPr lang="en-US" sz="1400" dirty="0" smtClean="0">
+                          <a:solidFill>
+                            <a:srgbClr val="FF0000"/>
+                          </a:solidFill>
+                        </a:rPr>
+                        <a:t>5A</a:t>
+                      </a:r>
+                      <a:endParaRPr lang="en-US" sz="1400" dirty="0">
+                        <a:solidFill>
+                          <a:srgbClr val="FF0000"/>
+                        </a:solidFill>
+                      </a:endParaRPr>
+                    </a:p>
+                  </a:txBody>
+                  <a:tcPr/>
+                </a:tc>
+                <a:tc>
+                  <a:txBody>
+                    <a:bodyPr/>
+                    <a:lstStyle/>
+                    <a:p>
+                      <a:r>
+                        <a:rPr lang="en-US" sz="1400" dirty="0" smtClean="0"/>
+                        <a:t>Input</a:t>
+                      </a:r>
+                      <a:endParaRPr lang="en-US" sz="1400" dirty="0"/>
                     </a:p>
                   </a:txBody>
                   <a:tcPr/>
@@ -10414,6 +10435,36 @@
                       </a:pPr>
                       <a:r>
                         <a:rPr lang="en-US" sz="1400" dirty="0" smtClean="0"/>
+                        <a:t>0</a:t>
+                      </a:r>
+                    </a:p>
+                  </a:txBody>
+                  <a:tcPr/>
+                </a:tc>
+                <a:tc>
+                  <a:txBody>
+                    <a:bodyPr/>
+                    <a:lstStyle/>
+                    <a:p>
+                      <a:pPr marL="0" marR="0" indent="0" algn="l" defTabSz="914400" rtl="0" eaLnBrk="1" fontAlgn="auto" latinLnBrk="0" hangingPunct="1">
+                        <a:lnSpc>
+                          <a:spcPct val="100000"/>
+                        </a:lnSpc>
+                        <a:spcBef>
+                          <a:spcPts val="0"/>
+                        </a:spcBef>
+                        <a:spcAft>
+                          <a:spcPts val="0"/>
+                        </a:spcAft>
+                        <a:buClrTx/>
+                        <a:buSzTx/>
+                        <a:buFontTx/>
+                        <a:buNone/>
+                        <a:tabLst/>
+                        <a:defRPr/>
+                      </a:pPr>
+                      <a:r>
+                        <a:rPr lang="en-US" sz="1400" dirty="0" smtClean="0"/>
                         <a:t>Digital</a:t>
                       </a:r>
                       <a:r>
@@ -10510,7 +10561,7 @@
           <p:nvPr>
             <p:extLst>
               <p:ext uri="{D42A27DB-BD31-4B8C-83A1-F6EECF244321}">
-                <p14:modId xmlns:p14="http://schemas.microsoft.com/office/powerpoint/2010/main" val="1180061938"/>
+                <p14:modId xmlns:p14="http://schemas.microsoft.com/office/powerpoint/2010/main" val="3635216621"/>
               </p:ext>
             </p:extLst>
           </p:nvPr>
@@ -10618,8 +10669,8 @@
                     <a:lstStyle/>
                     <a:p>
                       <a:r>
-                        <a:rPr lang="en-US" sz="1400" dirty="0" smtClean="0"/>
-                        <a:t>Ground</a:t>
+                        <a:rPr lang="en-US" sz="1400" dirty="0" err="1" smtClean="0"/>
+                        <a:t>Vcc</a:t>
                       </a:r>
                       <a:endParaRPr lang="en-US" sz="1400" dirty="0"/>
                     </a:p>
@@ -10632,40 +10683,6 @@
                     <a:lstStyle/>
                     <a:p>
                       <a:endParaRPr lang="en-US" sz="1400" dirty="0"/>
-                    </a:p>
-                  </a:txBody>
-                  <a:tcPr/>
-                </a:tc>
-                <a:tc>
-                  <a:txBody>
-                    <a:bodyPr/>
-                    <a:lstStyle/>
-                    <a:p>
-                      <a:endParaRPr lang="en-US" sz="1400" dirty="0"/>
-                    </a:p>
-                  </a:txBody>
-                  <a:tcPr/>
-                </a:tc>
-              </a:tr>
-              <a:tr h="370840">
-                <a:tc>
-                  <a:txBody>
-                    <a:bodyPr/>
-                    <a:lstStyle/>
-                    <a:p>
-                      <a:r>
-                        <a:rPr lang="en-US" sz="1400" dirty="0" smtClean="0">
-                          <a:solidFill>
-                            <a:srgbClr val="0070C0"/>
-                          </a:solidFill>
-                        </a:rPr>
-                        <a:t>2B</a:t>
-                      </a:r>
-                      <a:endParaRPr lang="en-US" sz="1400" dirty="0">
-                        <a:solidFill>
-                          <a:srgbClr val="0070C0"/>
-                        </a:solidFill>
-                      </a:endParaRPr>
                     </a:p>
                   </a:txBody>
                   <a:tcPr/>
@@ -10693,20 +10710,38 @@
                         <a:defRPr/>
                       </a:pPr>
                       <a:r>
-                        <a:rPr lang="en-US" sz="1400" dirty="0" err="1" smtClean="0"/>
-                        <a:t>Vcc</a:t>
+                        <a:rPr lang="en-US" sz="1400" dirty="0" smtClean="0"/>
+                        <a:t>3.3V</a:t>
+                      </a:r>
+                      <a:r>
+                        <a:rPr lang="en-US" sz="1400" baseline="0" dirty="0" smtClean="0"/>
+                        <a:t>  (max 300mA)</a:t>
                       </a:r>
                       <a:endParaRPr lang="en-US" sz="1400" dirty="0" smtClean="0"/>
                     </a:p>
                   </a:txBody>
                   <a:tcPr/>
                 </a:tc>
-                <a:tc>
-                  <a:txBody>
-                    <a:bodyPr/>
-                    <a:lstStyle/>
-                    <a:p>
-                      <a:endParaRPr lang="en-US" sz="1400" dirty="0"/>
+              </a:tr>
+              <a:tr h="370840">
+                <a:tc>
+                  <a:txBody>
+                    <a:bodyPr/>
+                    <a:lstStyle/>
+                    <a:p>
+                      <a:r>
+                        <a:rPr lang="en-US" sz="1400" dirty="0" smtClean="0">
+                          <a:solidFill>
+                            <a:srgbClr val="0070C0"/>
+                          </a:solidFill>
+                        </a:rPr>
+                        <a:t>2B</a:t>
+                      </a:r>
+                      <a:endParaRPr lang="en-US" sz="1400" dirty="0">
+                        <a:solidFill>
+                          <a:srgbClr val="0070C0"/>
+                        </a:solidFill>
+                      </a:endParaRPr>
                     </a:p>
                   </a:txBody>
                   <a:tcPr/>
@@ -10735,12 +10770,45 @@
                       </a:pPr>
                       <a:r>
                         <a:rPr lang="en-US" sz="1400" dirty="0" smtClean="0"/>
-                        <a:t>3.3V</a:t>
-                      </a:r>
-                      <a:r>
-                        <a:rPr lang="en-US" sz="1400" baseline="0" dirty="0" smtClean="0"/>
-                        <a:t>  (max 300mA)</a:t>
-                      </a:r>
+                        <a:t>Ground</a:t>
+                      </a:r>
+                      <a:endParaRPr lang="en-US" sz="1400" dirty="0" smtClean="0"/>
+                    </a:p>
+                  </a:txBody>
+                  <a:tcPr/>
+                </a:tc>
+                <a:tc>
+                  <a:txBody>
+                    <a:bodyPr/>
+                    <a:lstStyle/>
+                    <a:p>
+                      <a:endParaRPr lang="en-US" sz="1400" dirty="0"/>
+                    </a:p>
+                  </a:txBody>
+                  <a:tcPr/>
+                </a:tc>
+                <a:tc>
+                  <a:txBody>
+                    <a:bodyPr/>
+                    <a:lstStyle/>
+                    <a:p>
+                      <a:pPr marL="0" marR="0" indent="0" algn="l" defTabSz="914400" rtl="0" eaLnBrk="1" fontAlgn="auto" latinLnBrk="0" hangingPunct="1">
+                        <a:lnSpc>
+                          <a:spcPct val="100000"/>
+                        </a:lnSpc>
+                        <a:spcBef>
+                          <a:spcPts val="0"/>
+                        </a:spcBef>
+                        <a:spcAft>
+                          <a:spcPts val="0"/>
+                        </a:spcAft>
+                        <a:buClrTx/>
+                        <a:buSzTx/>
+                        <a:buFontTx/>
+                        <a:buNone/>
+                        <a:tabLst/>
+                        <a:defRPr/>
+                      </a:pPr>
                       <a:endParaRPr lang="en-US" sz="1400" dirty="0" smtClean="0"/>
                     </a:p>
                   </a:txBody>
@@ -12304,14 +12372,14 @@
           <p:nvPr>
             <p:extLst>
               <p:ext uri="{D42A27DB-BD31-4B8C-83A1-F6EECF244321}">
-                <p14:modId xmlns:p14="http://schemas.microsoft.com/office/powerpoint/2010/main" val="2176643118"/>
+                <p14:modId xmlns:p14="http://schemas.microsoft.com/office/powerpoint/2010/main" val="1888516968"/>
               </p:ext>
             </p:extLst>
           </p:nvPr>
         </p:nvGraphicFramePr>
         <p:xfrm>
           <a:off x="152398" y="797445"/>
-          <a:ext cx="7026994" cy="2595880"/>
+          <a:ext cx="7026994" cy="2656955"/>
         </p:xfrm>
         <a:graphic>
           <a:graphicData uri="http://schemas.openxmlformats.org/drawingml/2006/table">
@@ -12383,7 +12451,7 @@
                   <a:tcPr/>
                 </a:tc>
               </a:tr>
-              <a:tr h="370840">
+              <a:tr h="431915">
                 <a:tc>
                   <a:txBody>
                     <a:bodyPr/>
@@ -12412,8 +12480,8 @@
                     <a:lstStyle/>
                     <a:p>
                       <a:r>
-                        <a:rPr lang="en-US" sz="1400" dirty="0" smtClean="0"/>
-                        <a:t>Ground</a:t>
+                        <a:rPr lang="en-US" sz="1400" dirty="0" err="1" smtClean="0"/>
+                        <a:t>Vcc</a:t>
                       </a:r>
                       <a:endParaRPr lang="en-US" sz="1400" dirty="0"/>
                     </a:p>
@@ -12426,40 +12494,6 @@
                     <a:lstStyle/>
                     <a:p>
                       <a:endParaRPr lang="en-US" sz="1400" dirty="0"/>
-                    </a:p>
-                  </a:txBody>
-                  <a:tcPr/>
-                </a:tc>
-                <a:tc>
-                  <a:txBody>
-                    <a:bodyPr/>
-                    <a:lstStyle/>
-                    <a:p>
-                      <a:endParaRPr lang="en-US" sz="1400" dirty="0"/>
-                    </a:p>
-                  </a:txBody>
-                  <a:tcPr/>
-                </a:tc>
-              </a:tr>
-              <a:tr h="370840">
-                <a:tc>
-                  <a:txBody>
-                    <a:bodyPr/>
-                    <a:lstStyle/>
-                    <a:p>
-                      <a:r>
-                        <a:rPr lang="en-US" sz="1400" dirty="0" smtClean="0">
-                          <a:solidFill>
-                            <a:srgbClr val="FF0000"/>
-                          </a:solidFill>
-                        </a:rPr>
-                        <a:t>2A</a:t>
-                      </a:r>
-                      <a:endParaRPr lang="en-US" sz="1400" dirty="0">
-                        <a:solidFill>
-                          <a:srgbClr val="FF0000"/>
-                        </a:solidFill>
-                      </a:endParaRPr>
                     </a:p>
                   </a:txBody>
                   <a:tcPr/>
@@ -12487,20 +12521,38 @@
                         <a:defRPr/>
                       </a:pPr>
                       <a:r>
-                        <a:rPr lang="en-US" sz="1400" dirty="0" err="1" smtClean="0"/>
-                        <a:t>Vcc</a:t>
+                        <a:rPr lang="en-US" sz="1400" dirty="0" smtClean="0"/>
+                        <a:t>3.3V</a:t>
+                      </a:r>
+                      <a:r>
+                        <a:rPr lang="en-US" sz="1400" baseline="0" dirty="0" smtClean="0"/>
+                        <a:t>  (max 300mA)</a:t>
                       </a:r>
                       <a:endParaRPr lang="en-US" sz="1400" dirty="0" smtClean="0"/>
                     </a:p>
                   </a:txBody>
                   <a:tcPr/>
                 </a:tc>
-                <a:tc>
-                  <a:txBody>
-                    <a:bodyPr/>
-                    <a:lstStyle/>
-                    <a:p>
-                      <a:endParaRPr lang="en-US" sz="1400" dirty="0"/>
+              </a:tr>
+              <a:tr h="370840">
+                <a:tc>
+                  <a:txBody>
+                    <a:bodyPr/>
+                    <a:lstStyle/>
+                    <a:p>
+                      <a:r>
+                        <a:rPr lang="en-US" sz="1400" dirty="0" smtClean="0">
+                          <a:solidFill>
+                            <a:srgbClr val="FF0000"/>
+                          </a:solidFill>
+                        </a:rPr>
+                        <a:t>2A</a:t>
+                      </a:r>
+                      <a:endParaRPr lang="en-US" sz="1400" dirty="0">
+                        <a:solidFill>
+                          <a:srgbClr val="FF0000"/>
+                        </a:solidFill>
+                      </a:endParaRPr>
                     </a:p>
                   </a:txBody>
                   <a:tcPr/>
@@ -12529,37 +12581,19 @@
                       </a:pPr>
                       <a:r>
                         <a:rPr lang="en-US" sz="1400" dirty="0" smtClean="0"/>
-                        <a:t>3.3V</a:t>
-                      </a:r>
-                      <a:r>
-                        <a:rPr lang="en-US" sz="1400" baseline="0" dirty="0" smtClean="0"/>
-                        <a:t>  (max 300mA)</a:t>
+                        <a:t>Ground</a:t>
                       </a:r>
                       <a:endParaRPr lang="en-US" sz="1400" dirty="0" smtClean="0"/>
                     </a:p>
                   </a:txBody>
                   <a:tcPr/>
                 </a:tc>
-              </a:tr>
-              <a:tr h="370840">
-                <a:tc>
-                  <a:txBody>
-                    <a:bodyPr/>
-                    <a:lstStyle/>
-                    <a:p>
-                      <a:r>
-                        <a:rPr lang="en-US" sz="1400" dirty="0" smtClean="0">
-                          <a:solidFill>
-                            <a:srgbClr val="FF0000"/>
-                          </a:solidFill>
-                        </a:rPr>
-                        <a:t>3A</a:t>
-                      </a:r>
-                      <a:endParaRPr lang="en-US" sz="1400" dirty="0">
-                        <a:solidFill>
-                          <a:srgbClr val="FF0000"/>
-                        </a:solidFill>
-                      </a:endParaRPr>
+                <a:tc>
+                  <a:txBody>
+                    <a:bodyPr/>
+                    <a:lstStyle/>
+                    <a:p>
+                      <a:endParaRPr lang="en-US" sz="1400" dirty="0"/>
                     </a:p>
                   </a:txBody>
                   <a:tcPr/>
@@ -12586,24 +12620,31 @@
                         <a:tabLst/>
                         <a:defRPr/>
                       </a:pPr>
-                      <a:r>
-                        <a:rPr lang="en-US" sz="1400" dirty="0" smtClean="0"/>
-                        <a:t>ID ADC</a:t>
-                      </a:r>
-                    </a:p>
-                  </a:txBody>
-                  <a:tcPr/>
-                </a:tc>
-                <a:tc>
-                  <a:txBody>
-                    <a:bodyPr/>
-                    <a:lstStyle/>
-                    <a:p>
-                      <a:r>
-                        <a:rPr lang="en-US" sz="1400" dirty="0" smtClean="0"/>
-                        <a:t>A4</a:t>
-                      </a:r>
-                      <a:endParaRPr lang="en-US" sz="1400" dirty="0"/>
+                      <a:endParaRPr lang="en-US" sz="1400" dirty="0" smtClean="0"/>
+                    </a:p>
+                  </a:txBody>
+                  <a:tcPr/>
+                </a:tc>
+              </a:tr>
+              <a:tr h="370840">
+                <a:tc>
+                  <a:txBody>
+                    <a:bodyPr/>
+                    <a:lstStyle/>
+                    <a:p>
+                      <a:r>
+                        <a:rPr lang="en-US" sz="1400" dirty="0" smtClean="0">
+                          <a:solidFill>
+                            <a:srgbClr val="FF0000"/>
+                          </a:solidFill>
+                        </a:rPr>
+                        <a:t>3A</a:t>
+                      </a:r>
+                      <a:endParaRPr lang="en-US" sz="1400" dirty="0">
+                        <a:solidFill>
+                          <a:srgbClr val="FF0000"/>
+                        </a:solidFill>
+                      </a:endParaRPr>
                     </a:p>
                   </a:txBody>
                   <a:tcPr/>
@@ -12632,32 +12673,8 @@
                       </a:pPr>
                       <a:r>
                         <a:rPr lang="en-US" sz="1400" dirty="0" smtClean="0"/>
-                        <a:t>Not implemented</a:t>
-                      </a:r>
-                    </a:p>
-                  </a:txBody>
-                  <a:tcPr/>
-                </a:tc>
-              </a:tr>
-              <a:tr h="370840">
-                <a:tc>
-                  <a:txBody>
-                    <a:bodyPr/>
-                    <a:lstStyle/>
-                    <a:p>
-                      <a:r>
-                        <a:rPr lang="en-US" sz="1400" dirty="0" smtClean="0">
-                          <a:solidFill>
-                            <a:srgbClr val="FF0000"/>
-                          </a:solidFill>
-                        </a:rPr>
-                        <a:t>4A</a:t>
-                      </a:r>
-                      <a:endParaRPr lang="en-US" sz="1400" dirty="0">
-                        <a:solidFill>
-                          <a:srgbClr val="FF0000"/>
-                        </a:solidFill>
-                      </a:endParaRPr>
+                        <a:t>ID ADC</a:t>
+                      </a:r>
                     </a:p>
                   </a:txBody>
                   <a:tcPr/>
@@ -12669,69 +12686,7 @@
                     <a:p>
                       <a:r>
                         <a:rPr lang="en-US" sz="1400" dirty="0" smtClean="0"/>
-                        <a:t>RAW</a:t>
-                      </a:r>
-                      <a:endParaRPr lang="en-US" sz="1400" dirty="0"/>
-                    </a:p>
-                  </a:txBody>
-                  <a:tcPr/>
-                </a:tc>
-                <a:tc>
-                  <a:txBody>
-                    <a:bodyPr/>
-                    <a:lstStyle/>
-                    <a:p>
-                      <a:endParaRPr lang="en-US" sz="1400" dirty="0"/>
-                    </a:p>
-                  </a:txBody>
-                  <a:tcPr/>
-                </a:tc>
-                <a:tc>
-                  <a:txBody>
-                    <a:bodyPr/>
-                    <a:lstStyle/>
-                    <a:p>
-                      <a:r>
-                        <a:rPr lang="en-US" sz="1400" dirty="0" smtClean="0"/>
-                        <a:t>Raw voltage pass through</a:t>
-                      </a:r>
-                      <a:endParaRPr lang="en-US" sz="1400" dirty="0"/>
-                    </a:p>
-                  </a:txBody>
-                  <a:tcPr/>
-                </a:tc>
-              </a:tr>
-              <a:tr h="370840">
-                <a:tc>
-                  <a:txBody>
-                    <a:bodyPr/>
-                    <a:lstStyle/>
-                    <a:p>
-                      <a:r>
-                        <a:rPr lang="en-US" sz="1400" dirty="0" smtClean="0">
-                          <a:solidFill>
-                            <a:srgbClr val="FF0000"/>
-                          </a:solidFill>
-                        </a:rPr>
-                        <a:t>5A</a:t>
-                      </a:r>
-                      <a:endParaRPr lang="en-US" sz="1400" dirty="0">
-                        <a:solidFill>
-                          <a:srgbClr val="FF0000"/>
-                        </a:solidFill>
-                      </a:endParaRPr>
-                    </a:p>
-                  </a:txBody>
-                  <a:tcPr/>
-                </a:tc>
-                <a:tc>
-                  <a:txBody>
-                    <a:bodyPr/>
-                    <a:lstStyle/>
-                    <a:p>
-                      <a:r>
-                        <a:rPr lang="en-US" sz="1400" dirty="0" smtClean="0"/>
-                        <a:t>RX</a:t>
+                        <a:t>A4</a:t>
                       </a:r>
                       <a:endParaRPr lang="en-US" sz="1400" dirty="0"/>
                     </a:p>
@@ -12762,8 +12717,108 @@
                       </a:pPr>
                       <a:r>
                         <a:rPr lang="en-US" sz="1400" dirty="0" smtClean="0"/>
-                        <a:t>0</a:t>
-                      </a:r>
+                        <a:t>Not implemented</a:t>
+                      </a:r>
+                    </a:p>
+                  </a:txBody>
+                  <a:tcPr/>
+                </a:tc>
+              </a:tr>
+              <a:tr h="370840">
+                <a:tc>
+                  <a:txBody>
+                    <a:bodyPr/>
+                    <a:lstStyle/>
+                    <a:p>
+                      <a:r>
+                        <a:rPr lang="en-US" sz="1400" dirty="0" smtClean="0">
+                          <a:solidFill>
+                            <a:srgbClr val="FF0000"/>
+                          </a:solidFill>
+                        </a:rPr>
+                        <a:t>4A</a:t>
+                      </a:r>
+                      <a:endParaRPr lang="en-US" sz="1400" dirty="0">
+                        <a:solidFill>
+                          <a:srgbClr val="FF0000"/>
+                        </a:solidFill>
+                      </a:endParaRPr>
+                    </a:p>
+                  </a:txBody>
+                  <a:tcPr/>
+                </a:tc>
+                <a:tc>
+                  <a:txBody>
+                    <a:bodyPr/>
+                    <a:lstStyle/>
+                    <a:p>
+                      <a:r>
+                        <a:rPr lang="en-US" sz="1400" dirty="0" smtClean="0"/>
+                        <a:t>RAW</a:t>
+                      </a:r>
+                      <a:endParaRPr lang="en-US" sz="1400" dirty="0"/>
+                    </a:p>
+                  </a:txBody>
+                  <a:tcPr/>
+                </a:tc>
+                <a:tc>
+                  <a:txBody>
+                    <a:bodyPr/>
+                    <a:lstStyle/>
+                    <a:p>
+                      <a:endParaRPr lang="en-US" sz="1400" dirty="0"/>
+                    </a:p>
+                  </a:txBody>
+                  <a:tcPr/>
+                </a:tc>
+                <a:tc>
+                  <a:txBody>
+                    <a:bodyPr/>
+                    <a:lstStyle/>
+                    <a:p>
+                      <a:r>
+                        <a:rPr lang="en-US" sz="1400" dirty="0" smtClean="0"/>
+                        <a:t>Raw voltage pass through</a:t>
+                      </a:r>
+                      <a:endParaRPr lang="en-US" sz="1400" dirty="0"/>
+                    </a:p>
+                  </a:txBody>
+                  <a:tcPr/>
+                </a:tc>
+              </a:tr>
+              <a:tr h="370840">
+                <a:tc>
+                  <a:txBody>
+                    <a:bodyPr/>
+                    <a:lstStyle/>
+                    <a:p>
+                      <a:r>
+                        <a:rPr lang="en-US" sz="1400" dirty="0" smtClean="0">
+                          <a:solidFill>
+                            <a:srgbClr val="FF0000"/>
+                          </a:solidFill>
+                        </a:rPr>
+                        <a:t>5A</a:t>
+                      </a:r>
+                      <a:endParaRPr lang="en-US" sz="1400" dirty="0">
+                        <a:solidFill>
+                          <a:srgbClr val="FF0000"/>
+                        </a:solidFill>
+                      </a:endParaRPr>
+                    </a:p>
+                  </a:txBody>
+                  <a:tcPr/>
+                </a:tc>
+                <a:tc>
+                  <a:txBody>
+                    <a:bodyPr/>
+                    <a:lstStyle/>
+                    <a:p>
+                      <a:r>
+                        <a:rPr lang="en-US" sz="1400" dirty="0" smtClean="0"/>
+                        <a:t>RX</a:t>
+                      </a:r>
+                      <a:endParaRPr lang="en-US" sz="1400" dirty="0"/>
                     </a:p>
                   </a:txBody>
                   <a:tcPr/>
@@ -12792,55 +12847,8 @@
                       </a:pPr>
                       <a:r>
                         <a:rPr lang="en-US" sz="1400" dirty="0" smtClean="0"/>
-                        <a:t>Serial Communication Receive</a:t>
-                      </a:r>
-                    </a:p>
-                  </a:txBody>
-                  <a:tcPr/>
-                </a:tc>
-              </a:tr>
-              <a:tr h="370840">
-                <a:tc>
-                  <a:txBody>
-                    <a:bodyPr/>
-                    <a:lstStyle/>
-                    <a:p>
-                      <a:r>
-                        <a:rPr lang="en-US" sz="1400" dirty="0" smtClean="0">
-                          <a:solidFill>
-                            <a:srgbClr val="FF0000"/>
-                          </a:solidFill>
-                        </a:rPr>
-                        <a:t>6A</a:t>
-                      </a:r>
-                    </a:p>
-                  </a:txBody>
-                  <a:tcPr/>
-                </a:tc>
-                <a:tc>
-                  <a:txBody>
-                    <a:bodyPr/>
-                    <a:lstStyle/>
-                    <a:p>
-                      <a:r>
-                        <a:rPr lang="en-US" sz="1400" dirty="0" smtClean="0"/>
-                        <a:t>TX</a:t>
-                      </a:r>
-                      <a:endParaRPr lang="en-US" sz="1400" dirty="0"/>
-                    </a:p>
-                  </a:txBody>
-                  <a:tcPr/>
-                </a:tc>
-                <a:tc>
-                  <a:txBody>
-                    <a:bodyPr/>
-                    <a:lstStyle/>
-                    <a:p>
-                      <a:r>
-                        <a:rPr lang="en-US" sz="1400" dirty="0" smtClean="0"/>
-                        <a:t>1</a:t>
-                      </a:r>
-                      <a:endParaRPr lang="en-US" sz="1400" dirty="0"/>
+                        <a:t>0</a:t>
+                      </a:r>
                     </a:p>
                   </a:txBody>
                   <a:tcPr/>
@@ -12869,6 +12877,83 @@
                       </a:pPr>
                       <a:r>
                         <a:rPr lang="en-US" sz="1400" dirty="0" smtClean="0"/>
+                        <a:t>Serial Communication Receive</a:t>
+                      </a:r>
+                    </a:p>
+                  </a:txBody>
+                  <a:tcPr/>
+                </a:tc>
+              </a:tr>
+              <a:tr h="370840">
+                <a:tc>
+                  <a:txBody>
+                    <a:bodyPr/>
+                    <a:lstStyle/>
+                    <a:p>
+                      <a:r>
+                        <a:rPr lang="en-US" sz="1400" dirty="0" smtClean="0">
+                          <a:solidFill>
+                            <a:srgbClr val="FF0000"/>
+                          </a:solidFill>
+                        </a:rPr>
+                        <a:t>6A</a:t>
+                      </a:r>
+                    </a:p>
+                  </a:txBody>
+                  <a:tcPr/>
+                </a:tc>
+                <a:tc>
+                  <a:txBody>
+                    <a:bodyPr/>
+                    <a:lstStyle/>
+                    <a:p>
+                      <a:r>
+                        <a:rPr lang="en-US" sz="1400" dirty="0" smtClean="0"/>
+                        <a:t>TX</a:t>
+                      </a:r>
+                      <a:endParaRPr lang="en-US" sz="1400" dirty="0"/>
+                    </a:p>
+                  </a:txBody>
+                  <a:tcPr/>
+                </a:tc>
+                <a:tc>
+                  <a:txBody>
+                    <a:bodyPr/>
+                    <a:lstStyle/>
+                    <a:p>
+                      <a:r>
+                        <a:rPr lang="en-US" sz="1400" dirty="0" smtClean="0"/>
+                        <a:t>1</a:t>
+                      </a:r>
+                      <a:endParaRPr lang="en-US" sz="1400" dirty="0"/>
+                    </a:p>
+                  </a:txBody>
+                  <a:tcPr/>
+                </a:tc>
+                <a:tc>
+                  <a:txBody>
+                    <a:bodyPr/>
+                    <a:lstStyle/>
+                    <a:p>
+                      <a:pPr marL="0" marR="0" indent="0" algn="l" defTabSz="914400" rtl="0" eaLnBrk="1" fontAlgn="auto" latinLnBrk="0" hangingPunct="1">
+                        <a:lnSpc>
+                          <a:spcPct val="100000"/>
+                        </a:lnSpc>
+                        <a:spcBef>
+                          <a:spcPts val="0"/>
+                        </a:spcBef>
+                        <a:spcAft>
+                          <a:spcPts val="0"/>
+                        </a:spcAft>
+                        <a:buClrTx/>
+                        <a:buSzTx/>
+                        <a:buFontTx/>
+                        <a:buNone/>
+                        <a:tabLst/>
+                        <a:defRPr/>
+                      </a:pPr>
+                      <a:r>
+                        <a:rPr lang="en-US" sz="1400" dirty="0" smtClean="0"/>
                         <a:t>Serial Communication Transmit</a:t>
                       </a:r>
                     </a:p>
@@ -12889,7 +12974,7 @@
           <p:nvPr>
             <p:extLst>
               <p:ext uri="{D42A27DB-BD31-4B8C-83A1-F6EECF244321}">
-                <p14:modId xmlns:p14="http://schemas.microsoft.com/office/powerpoint/2010/main" val="3896857257"/>
+                <p14:modId xmlns:p14="http://schemas.microsoft.com/office/powerpoint/2010/main" val="1947234266"/>
               </p:ext>
             </p:extLst>
           </p:nvPr>
@@ -12997,8 +13082,8 @@
                     <a:lstStyle/>
                     <a:p>
                       <a:r>
-                        <a:rPr lang="en-US" sz="1400" dirty="0" smtClean="0"/>
-                        <a:t>Ground</a:t>
+                        <a:rPr lang="en-US" sz="1400" dirty="0" err="1" smtClean="0"/>
+                        <a:t>Vcc</a:t>
                       </a:r>
                       <a:endParaRPr lang="en-US" sz="1400" dirty="0"/>
                     </a:p>
@@ -13011,40 +13096,6 @@
                     <a:lstStyle/>
                     <a:p>
                       <a:endParaRPr lang="en-US" sz="1400" dirty="0"/>
-                    </a:p>
-                  </a:txBody>
-                  <a:tcPr/>
-                </a:tc>
-                <a:tc>
-                  <a:txBody>
-                    <a:bodyPr/>
-                    <a:lstStyle/>
-                    <a:p>
-                      <a:endParaRPr lang="en-US" sz="1400" dirty="0"/>
-                    </a:p>
-                  </a:txBody>
-                  <a:tcPr/>
-                </a:tc>
-              </a:tr>
-              <a:tr h="370840">
-                <a:tc>
-                  <a:txBody>
-                    <a:bodyPr/>
-                    <a:lstStyle/>
-                    <a:p>
-                      <a:r>
-                        <a:rPr lang="en-US" sz="1400" dirty="0" smtClean="0">
-                          <a:solidFill>
-                            <a:srgbClr val="0070C0"/>
-                          </a:solidFill>
-                        </a:rPr>
-                        <a:t>2B</a:t>
-                      </a:r>
-                      <a:endParaRPr lang="en-US" sz="1400" dirty="0">
-                        <a:solidFill>
-                          <a:srgbClr val="0070C0"/>
-                        </a:solidFill>
-                      </a:endParaRPr>
                     </a:p>
                   </a:txBody>
                   <a:tcPr/>
@@ -13072,20 +13123,38 @@
                         <a:defRPr/>
                       </a:pPr>
                       <a:r>
-                        <a:rPr lang="en-US" sz="1400" dirty="0" err="1" smtClean="0"/>
-                        <a:t>Vcc</a:t>
+                        <a:rPr lang="en-US" sz="1400" dirty="0" smtClean="0"/>
+                        <a:t>3.3V</a:t>
+                      </a:r>
+                      <a:r>
+                        <a:rPr lang="en-US" sz="1400" baseline="0" dirty="0" smtClean="0"/>
+                        <a:t>  (max 300mA)</a:t>
                       </a:r>
                       <a:endParaRPr lang="en-US" sz="1400" dirty="0" smtClean="0"/>
                     </a:p>
                   </a:txBody>
                   <a:tcPr/>
                 </a:tc>
-                <a:tc>
-                  <a:txBody>
-                    <a:bodyPr/>
-                    <a:lstStyle/>
-                    <a:p>
-                      <a:endParaRPr lang="en-US" sz="1400" dirty="0"/>
+              </a:tr>
+              <a:tr h="370840">
+                <a:tc>
+                  <a:txBody>
+                    <a:bodyPr/>
+                    <a:lstStyle/>
+                    <a:p>
+                      <a:r>
+                        <a:rPr lang="en-US" sz="1400" dirty="0" smtClean="0">
+                          <a:solidFill>
+                            <a:srgbClr val="0070C0"/>
+                          </a:solidFill>
+                        </a:rPr>
+                        <a:t>2B</a:t>
+                      </a:r>
+                      <a:endParaRPr lang="en-US" sz="1400" dirty="0">
+                        <a:solidFill>
+                          <a:srgbClr val="0070C0"/>
+                        </a:solidFill>
+                      </a:endParaRPr>
                     </a:p>
                   </a:txBody>
                   <a:tcPr/>
@@ -13113,13 +13182,46 @@
                         <a:defRPr/>
                       </a:pPr>
                       <a:r>
-                        <a:rPr lang="en-US" sz="1400" dirty="0" smtClean="0"/>
-                        <a:t>3.3V</a:t>
-                      </a:r>
-                      <a:r>
-                        <a:rPr lang="en-US" sz="1400" baseline="0" dirty="0" smtClean="0"/>
-                        <a:t>  (max 300mA)</a:t>
-                      </a:r>
+                        <a:rPr lang="en-US" sz="1400" smtClean="0"/>
+                        <a:t>Ground</a:t>
+                      </a:r>
+                      <a:endParaRPr lang="en-US" sz="1400" dirty="0" smtClean="0"/>
+                    </a:p>
+                  </a:txBody>
+                  <a:tcPr/>
+                </a:tc>
+                <a:tc>
+                  <a:txBody>
+                    <a:bodyPr/>
+                    <a:lstStyle/>
+                    <a:p>
+                      <a:endParaRPr lang="en-US" sz="1400" dirty="0"/>
+                    </a:p>
+                  </a:txBody>
+                  <a:tcPr/>
+                </a:tc>
+                <a:tc>
+                  <a:txBody>
+                    <a:bodyPr/>
+                    <a:lstStyle/>
+                    <a:p>
+                      <a:pPr marL="0" marR="0" indent="0" algn="l" defTabSz="914400" rtl="0" eaLnBrk="1" fontAlgn="auto" latinLnBrk="0" hangingPunct="1">
+                        <a:lnSpc>
+                          <a:spcPct val="100000"/>
+                        </a:lnSpc>
+                        <a:spcBef>
+                          <a:spcPts val="0"/>
+                        </a:spcBef>
+                        <a:spcAft>
+                          <a:spcPts val="0"/>
+                        </a:spcAft>
+                        <a:buClrTx/>
+                        <a:buSzTx/>
+                        <a:buFontTx/>
+                        <a:buNone/>
+                        <a:tabLst/>
+                        <a:defRPr/>
+                      </a:pPr>
                       <a:endParaRPr lang="en-US" sz="1400" dirty="0" smtClean="0"/>
                     </a:p>
                   </a:txBody>
@@ -13580,14 +13682,14 @@
             <p:ph idx="1"/>
             <p:extLst>
               <p:ext uri="{D42A27DB-BD31-4B8C-83A1-F6EECF244321}">
-                <p14:modId xmlns:p14="http://schemas.microsoft.com/office/powerpoint/2010/main" val="3561810628"/>
+                <p14:modId xmlns:p14="http://schemas.microsoft.com/office/powerpoint/2010/main" val="1356539295"/>
               </p:ext>
             </p:extLst>
           </p:nvPr>
         </p:nvGraphicFramePr>
         <p:xfrm>
           <a:off x="457200" y="838200"/>
-          <a:ext cx="8229600" cy="5562600"/>
+          <a:ext cx="8229600" cy="5557520"/>
         </p:xfrm>
         <a:graphic>
           <a:graphicData uri="http://schemas.openxmlformats.org/drawingml/2006/table">
@@ -14055,7 +14157,7 @@
                     <a:bodyPr/>
                     <a:lstStyle/>
                     <a:p>
-                      <a:endParaRPr lang="en-US"/>
+                      <a:endParaRPr lang="en-US" dirty="0"/>
                     </a:p>
                   </a:txBody>
                   <a:tcPr/>
@@ -14095,7 +14197,7 @@
                     <a:bodyPr/>
                     <a:lstStyle/>
                     <a:p>
-                      <a:endParaRPr lang="en-US"/>
+                      <a:endParaRPr lang="en-US" dirty="0"/>
                     </a:p>
                   </a:txBody>
                   <a:tcPr/>
@@ -14129,7 +14231,7 @@
                   <a:tcPr/>
                 </a:tc>
               </a:tr>
-              <a:tr h="370840">
+              <a:tr h="132080">
                 <a:tc>
                   <a:txBody>
                     <a:bodyPr/>
